--- a/PPE Park’in.pptx
+++ b/PPE Park’in.pptx
@@ -10,11 +10,10 @@
     <p:sldId id="258" r:id="rId4"/>
     <p:sldId id="259" r:id="rId5"/>
     <p:sldId id="260" r:id="rId6"/>
-    <p:sldId id="261" r:id="rId7"/>
-    <p:sldId id="262" r:id="rId8"/>
-    <p:sldId id="263" r:id="rId9"/>
-    <p:sldId id="264" r:id="rId10"/>
-    <p:sldId id="265" r:id="rId11"/>
+    <p:sldId id="262" r:id="rId7"/>
+    <p:sldId id="263" r:id="rId8"/>
+    <p:sldId id="264" r:id="rId9"/>
+    <p:sldId id="265" r:id="rId10"/>
   </p:sldIdLst>
   <p:sldSz cx="12192000" cy="6858000"/>
   <p:notesSz cx="6858000" cy="9144000"/>
@@ -113,6 +112,11 @@
       </a:defRPr>
     </a:lvl9pPr>
   </p:defaultTextStyle>
+  <p:extLst>
+    <p:ext uri="{EFAFB233-063F-42B5-8137-9DF3F51BA10A}">
+      <p15:sldGuideLst xmlns:p15="http://schemas.microsoft.com/office/powerpoint/2012/main"/>
+    </p:ext>
+  </p:extLst>
 </p:presentation>
 </file>
 
@@ -618,7 +622,7 @@
           <a:p>
             <a:fld id="{CB518B91-AD86-4117-B672-CCF489450ED8}" type="datetimeFigureOut">
               <a:rPr lang="fr-FR" smtClean="0"/>
-              <a:t>05/10/2016</a:t>
+              <a:t>06/10/2016</a:t>
             </a:fld>
             <a:endParaRPr lang="fr-FR"/>
           </a:p>
@@ -914,7 +918,7 @@
           <a:p>
             <a:fld id="{CB518B91-AD86-4117-B672-CCF489450ED8}" type="datetimeFigureOut">
               <a:rPr lang="fr-FR" smtClean="0"/>
-              <a:t>05/10/2016</a:t>
+              <a:t>06/10/2016</a:t>
             </a:fld>
             <a:endParaRPr lang="fr-FR"/>
           </a:p>
@@ -1162,7 +1166,7 @@
           <a:p>
             <a:fld id="{CB518B91-AD86-4117-B672-CCF489450ED8}" type="datetimeFigureOut">
               <a:rPr lang="fr-FR" smtClean="0"/>
-              <a:t>05/10/2016</a:t>
+              <a:t>06/10/2016</a:t>
             </a:fld>
             <a:endParaRPr lang="fr-FR"/>
           </a:p>
@@ -1702,7 +1706,7 @@
           <a:p>
             <a:fld id="{CB518B91-AD86-4117-B672-CCF489450ED8}" type="datetimeFigureOut">
               <a:rPr lang="fr-FR" smtClean="0"/>
-              <a:t>05/10/2016</a:t>
+              <a:t>06/10/2016</a:t>
             </a:fld>
             <a:endParaRPr lang="fr-FR"/>
           </a:p>
@@ -1950,7 +1954,7 @@
           <a:p>
             <a:fld id="{CB518B91-AD86-4117-B672-CCF489450ED8}" type="datetimeFigureOut">
               <a:rPr lang="fr-FR" smtClean="0"/>
-              <a:t>05/10/2016</a:t>
+              <a:t>06/10/2016</a:t>
             </a:fld>
             <a:endParaRPr lang="fr-FR"/>
           </a:p>
@@ -2482,7 +2486,7 @@
           <a:p>
             <a:fld id="{CB518B91-AD86-4117-B672-CCF489450ED8}" type="datetimeFigureOut">
               <a:rPr lang="fr-FR" smtClean="0"/>
-              <a:t>05/10/2016</a:t>
+              <a:t>06/10/2016</a:t>
             </a:fld>
             <a:endParaRPr lang="fr-FR"/>
           </a:p>
@@ -2779,7 +2783,7 @@
           <a:p>
             <a:fld id="{CB518B91-AD86-4117-B672-CCF489450ED8}" type="datetimeFigureOut">
               <a:rPr lang="fr-FR" smtClean="0"/>
-              <a:t>05/10/2016</a:t>
+              <a:t>06/10/2016</a:t>
             </a:fld>
             <a:endParaRPr lang="fr-FR"/>
           </a:p>
@@ -2953,7 +2957,7 @@
           <a:p>
             <a:fld id="{CB518B91-AD86-4117-B672-CCF489450ED8}" type="datetimeFigureOut">
               <a:rPr lang="fr-FR" smtClean="0"/>
-              <a:t>05/10/2016</a:t>
+              <a:t>06/10/2016</a:t>
             </a:fld>
             <a:endParaRPr lang="fr-FR"/>
           </a:p>
@@ -3133,7 +3137,7 @@
           <a:p>
             <a:fld id="{CB518B91-AD86-4117-B672-CCF489450ED8}" type="datetimeFigureOut">
               <a:rPr lang="fr-FR" smtClean="0"/>
-              <a:t>05/10/2016</a:t>
+              <a:t>06/10/2016</a:t>
             </a:fld>
             <a:endParaRPr lang="fr-FR"/>
           </a:p>
@@ -3303,7 +3307,7 @@
           <a:p>
             <a:fld id="{CB518B91-AD86-4117-B672-CCF489450ED8}" type="datetimeFigureOut">
               <a:rPr lang="fr-FR" smtClean="0"/>
-              <a:t>05/10/2016</a:t>
+              <a:t>06/10/2016</a:t>
             </a:fld>
             <a:endParaRPr lang="fr-FR"/>
           </a:p>
@@ -3554,7 +3558,7 @@
           <a:p>
             <a:fld id="{CB518B91-AD86-4117-B672-CCF489450ED8}" type="datetimeFigureOut">
               <a:rPr lang="fr-FR" smtClean="0"/>
-              <a:t>05/10/2016</a:t>
+              <a:t>06/10/2016</a:t>
             </a:fld>
             <a:endParaRPr lang="fr-FR"/>
           </a:p>
@@ -3851,7 +3855,7 @@
           <a:p>
             <a:fld id="{CB518B91-AD86-4117-B672-CCF489450ED8}" type="datetimeFigureOut">
               <a:rPr lang="fr-FR" smtClean="0"/>
-              <a:t>05/10/2016</a:t>
+              <a:t>06/10/2016</a:t>
             </a:fld>
             <a:endParaRPr lang="fr-FR"/>
           </a:p>
@@ -4293,7 +4297,7 @@
           <a:p>
             <a:fld id="{CB518B91-AD86-4117-B672-CCF489450ED8}" type="datetimeFigureOut">
               <a:rPr lang="fr-FR" smtClean="0"/>
-              <a:t>05/10/2016</a:t>
+              <a:t>06/10/2016</a:t>
             </a:fld>
             <a:endParaRPr lang="fr-FR"/>
           </a:p>
@@ -4411,7 +4415,7 @@
           <a:p>
             <a:fld id="{CB518B91-AD86-4117-B672-CCF489450ED8}" type="datetimeFigureOut">
               <a:rPr lang="fr-FR" smtClean="0"/>
-              <a:t>05/10/2016</a:t>
+              <a:t>06/10/2016</a:t>
             </a:fld>
             <a:endParaRPr lang="fr-FR"/>
           </a:p>
@@ -4506,7 +4510,7 @@
           <a:p>
             <a:fld id="{CB518B91-AD86-4117-B672-CCF489450ED8}" type="datetimeFigureOut">
               <a:rPr lang="fr-FR" smtClean="0"/>
-              <a:t>05/10/2016</a:t>
+              <a:t>06/10/2016</a:t>
             </a:fld>
             <a:endParaRPr lang="fr-FR"/>
           </a:p>
@@ -4789,7 +4793,7 @@
           <a:p>
             <a:fld id="{CB518B91-AD86-4117-B672-CCF489450ED8}" type="datetimeFigureOut">
               <a:rPr lang="fr-FR" smtClean="0"/>
-              <a:t>05/10/2016</a:t>
+              <a:t>06/10/2016</a:t>
             </a:fld>
             <a:endParaRPr lang="fr-FR"/>
           </a:p>
@@ -5080,7 +5084,7 @@
           <a:p>
             <a:fld id="{CB518B91-AD86-4117-B672-CCF489450ED8}" type="datetimeFigureOut">
               <a:rPr lang="fr-FR" smtClean="0"/>
-              <a:t>05/10/2016</a:t>
+              <a:t>06/10/2016</a:t>
             </a:fld>
             <a:endParaRPr lang="fr-FR"/>
           </a:p>
@@ -5610,7 +5614,7 @@
           <a:p>
             <a:fld id="{CB518B91-AD86-4117-B672-CCF489450ED8}" type="datetimeFigureOut">
               <a:rPr lang="fr-FR" smtClean="0"/>
-              <a:t>05/10/2016</a:t>
+              <a:t>06/10/2016</a:t>
             </a:fld>
             <a:endParaRPr lang="fr-FR"/>
           </a:p>
@@ -6176,87 +6180,6 @@
 </p:sld>
 </file>
 
-<file path=ppt/slides/slide10.xml><?xml version="1.0" encoding="utf-8"?>
-<p:sld xmlns:a="http://schemas.openxmlformats.org/drawingml/2006/main" xmlns:r="http://schemas.openxmlformats.org/officeDocument/2006/relationships" xmlns:p="http://schemas.openxmlformats.org/presentationml/2006/main">
-  <p:cSld>
-    <p:spTree>
-      <p:nvGrpSpPr>
-        <p:cNvPr id="1" name=""/>
-        <p:cNvGrpSpPr/>
-        <p:nvPr/>
-      </p:nvGrpSpPr>
-      <p:grpSpPr>
-        <a:xfrm>
-          <a:off x="0" y="0"/>
-          <a:ext cx="0" cy="0"/>
-          <a:chOff x="0" y="0"/>
-          <a:chExt cx="0" cy="0"/>
-        </a:xfrm>
-      </p:grpSpPr>
-      <p:sp>
-        <p:nvSpPr>
-          <p:cNvPr id="2" name="Titre 1"/>
-          <p:cNvSpPr>
-            <a:spLocks noGrp="1"/>
-          </p:cNvSpPr>
-          <p:nvPr>
-            <p:ph type="title"/>
-          </p:nvPr>
-        </p:nvSpPr>
-        <p:spPr/>
-        <p:txBody>
-          <a:bodyPr/>
-          <a:lstStyle/>
-          <a:p>
-            <a:r>
-              <a:rPr lang="fr-FR" u="sng" dirty="0"/>
-              <a:t>État d’avancement du projet :</a:t>
-            </a:r>
-            <a:endParaRPr lang="fr-FR" dirty="0"/>
-          </a:p>
-        </p:txBody>
-      </p:sp>
-      <p:sp>
-        <p:nvSpPr>
-          <p:cNvPr id="3" name="Espace réservé du contenu 2"/>
-          <p:cNvSpPr>
-            <a:spLocks noGrp="1"/>
-          </p:cNvSpPr>
-          <p:nvPr>
-            <p:ph idx="1"/>
-          </p:nvPr>
-        </p:nvSpPr>
-        <p:spPr/>
-        <p:txBody>
-          <a:bodyPr/>
-          <a:lstStyle/>
-          <a:p>
-            <a:r>
-              <a:rPr lang="fr-FR" dirty="0"/>
-              <a:t>Les différentes pages sont reliées à la base de données</a:t>
-            </a:r>
-          </a:p>
-          <a:p>
-            <a:r>
-              <a:rPr lang="fr-FR" dirty="0"/>
-              <a:t>Les utilisateurs peuvent se connecter sur le site</a:t>
-            </a:r>
-          </a:p>
-        </p:txBody>
-      </p:sp>
-    </p:spTree>
-    <p:extLst>
-      <p:ext uri="{BB962C8B-B14F-4D97-AF65-F5344CB8AC3E}">
-        <p14:creationId xmlns:p14="http://schemas.microsoft.com/office/powerpoint/2010/main" val="2307030471"/>
-      </p:ext>
-    </p:extLst>
-  </p:cSld>
-  <p:clrMapOvr>
-    <a:masterClrMapping/>
-  </p:clrMapOvr>
-</p:sld>
-</file>
-
 <file path=ppt/slides/slide2.xml><?xml version="1.0" encoding="utf-8"?>
 <p:sld xmlns:a="http://schemas.openxmlformats.org/drawingml/2006/main" xmlns:r="http://schemas.openxmlformats.org/officeDocument/2006/relationships" xmlns:p="http://schemas.openxmlformats.org/presentationml/2006/main">
   <p:cSld>
@@ -6760,77 +6683,6 @@
           <a:p>
             <a:r>
               <a:rPr lang="fr-FR" u="sng" dirty="0"/>
-              <a:t>Charte Graphique</a:t>
-            </a:r>
-          </a:p>
-        </p:txBody>
-      </p:sp>
-      <p:sp>
-        <p:nvSpPr>
-          <p:cNvPr id="3" name="Espace réservé du contenu 2"/>
-          <p:cNvSpPr>
-            <a:spLocks noGrp="1"/>
-          </p:cNvSpPr>
-          <p:nvPr>
-            <p:ph idx="1"/>
-          </p:nvPr>
-        </p:nvSpPr>
-        <p:spPr/>
-        <p:txBody>
-          <a:bodyPr/>
-          <a:lstStyle/>
-          <a:p>
-            <a:endParaRPr lang="fr-FR" dirty="0"/>
-          </a:p>
-        </p:txBody>
-      </p:sp>
-    </p:spTree>
-    <p:extLst>
-      <p:ext uri="{BB962C8B-B14F-4D97-AF65-F5344CB8AC3E}">
-        <p14:creationId xmlns:p14="http://schemas.microsoft.com/office/powerpoint/2010/main" val="620625617"/>
-      </p:ext>
-    </p:extLst>
-  </p:cSld>
-  <p:clrMapOvr>
-    <a:masterClrMapping/>
-  </p:clrMapOvr>
-</p:sld>
-</file>
-
-<file path=ppt/slides/slide7.xml><?xml version="1.0" encoding="utf-8"?>
-<p:sld xmlns:a="http://schemas.openxmlformats.org/drawingml/2006/main" xmlns:r="http://schemas.openxmlformats.org/officeDocument/2006/relationships" xmlns:p="http://schemas.openxmlformats.org/presentationml/2006/main">
-  <p:cSld>
-    <p:spTree>
-      <p:nvGrpSpPr>
-        <p:cNvPr id="1" name=""/>
-        <p:cNvGrpSpPr/>
-        <p:nvPr/>
-      </p:nvGrpSpPr>
-      <p:grpSpPr>
-        <a:xfrm>
-          <a:off x="0" y="0"/>
-          <a:ext cx="0" cy="0"/>
-          <a:chOff x="0" y="0"/>
-          <a:chExt cx="0" cy="0"/>
-        </a:xfrm>
-      </p:grpSpPr>
-      <p:sp>
-        <p:nvSpPr>
-          <p:cNvPr id="2" name="Titre 1"/>
-          <p:cNvSpPr>
-            <a:spLocks noGrp="1"/>
-          </p:cNvSpPr>
-          <p:nvPr>
-            <p:ph type="title"/>
-          </p:nvPr>
-        </p:nvSpPr>
-        <p:spPr/>
-        <p:txBody>
-          <a:bodyPr/>
-          <a:lstStyle/>
-          <a:p>
-            <a:r>
-              <a:rPr lang="fr-FR" u="sng" dirty="0"/>
               <a:t>Aperçu du site</a:t>
             </a:r>
           </a:p>
@@ -6868,7 +6720,7 @@
 </p:sld>
 </file>
 
-<file path=ppt/slides/slide8.xml><?xml version="1.0" encoding="utf-8"?>
+<file path=ppt/slides/slide7.xml><?xml version="1.0" encoding="utf-8"?>
 <p:sld xmlns:a="http://schemas.openxmlformats.org/drawingml/2006/main" xmlns:r="http://schemas.openxmlformats.org/officeDocument/2006/relationships" xmlns:p="http://schemas.openxmlformats.org/presentationml/2006/main">
   <p:cSld>
     <p:spTree>
@@ -6954,6 +6806,84 @@
 </p:sld>
 </file>
 
+<file path=ppt/slides/slide8.xml><?xml version="1.0" encoding="utf-8"?>
+<p:sld xmlns:a="http://schemas.openxmlformats.org/drawingml/2006/main" xmlns:r="http://schemas.openxmlformats.org/officeDocument/2006/relationships" xmlns:p="http://schemas.openxmlformats.org/presentationml/2006/main">
+  <p:cSld>
+    <p:spTree>
+      <p:nvGrpSpPr>
+        <p:cNvPr id="1" name=""/>
+        <p:cNvGrpSpPr/>
+        <p:nvPr/>
+      </p:nvGrpSpPr>
+      <p:grpSpPr>
+        <a:xfrm>
+          <a:off x="0" y="0"/>
+          <a:ext cx="0" cy="0"/>
+          <a:chOff x="0" y="0"/>
+          <a:chExt cx="0" cy="0"/>
+        </a:xfrm>
+      </p:grpSpPr>
+      <p:sp>
+        <p:nvSpPr>
+          <p:cNvPr id="3" name="Espace réservé du contenu 2"/>
+          <p:cNvSpPr>
+            <a:spLocks noGrp="1"/>
+          </p:cNvSpPr>
+          <p:nvPr>
+            <p:ph idx="1"/>
+          </p:nvPr>
+        </p:nvSpPr>
+        <p:spPr>
+          <a:xfrm>
+            <a:off x="1484310" y="545433"/>
+            <a:ext cx="10018713" cy="5245768"/>
+          </a:xfrm>
+        </p:spPr>
+        <p:txBody>
+          <a:bodyPr/>
+          <a:lstStyle/>
+          <a:p>
+            <a:pPr marL="0" indent="0">
+              <a:buNone/>
+            </a:pPr>
+            <a:r>
+              <a:rPr lang="fr-FR" dirty="0"/>
+              <a:t>Parties fonctionnelles :</a:t>
+            </a:r>
+          </a:p>
+          <a:p>
+            <a:pPr marL="0" indent="0">
+              <a:buNone/>
+            </a:pPr>
+            <a:endParaRPr lang="fr-FR" dirty="0"/>
+          </a:p>
+          <a:p>
+            <a:r>
+              <a:rPr lang="fr-FR" dirty="0"/>
+              <a:t>Connexion avec son compte utilisateur et administrateur</a:t>
+            </a:r>
+          </a:p>
+          <a:p>
+            <a:r>
+              <a:rPr lang="fr-FR" dirty="0"/>
+              <a:t>Affichage de la liste des utilisateurs</a:t>
+            </a:r>
+          </a:p>
+        </p:txBody>
+      </p:sp>
+    </p:spTree>
+    <p:extLst>
+      <p:ext uri="{BB962C8B-B14F-4D97-AF65-F5344CB8AC3E}">
+        <p14:creationId xmlns:p14="http://schemas.microsoft.com/office/powerpoint/2010/main" val="343462950"/>
+      </p:ext>
+    </p:extLst>
+  </p:cSld>
+  <p:clrMapOvr>
+    <a:masterClrMapping/>
+  </p:clrMapOvr>
+</p:sld>
+</file>
+
 <file path=ppt/slides/slide9.xml><?xml version="1.0" encoding="utf-8"?>
 <p:sld xmlns:a="http://schemas.openxmlformats.org/drawingml/2006/main" xmlns:r="http://schemas.openxmlformats.org/officeDocument/2006/relationships" xmlns:p="http://schemas.openxmlformats.org/presentationml/2006/main">
   <p:cSld>
@@ -6973,6 +6903,29 @@
       </p:grpSpPr>
       <p:sp>
         <p:nvSpPr>
+          <p:cNvPr id="2" name="Titre 1"/>
+          <p:cNvSpPr>
+            <a:spLocks noGrp="1"/>
+          </p:cNvSpPr>
+          <p:nvPr>
+            <p:ph type="title"/>
+          </p:nvPr>
+        </p:nvSpPr>
+        <p:spPr/>
+        <p:txBody>
+          <a:bodyPr/>
+          <a:lstStyle/>
+          <a:p>
+            <a:r>
+              <a:rPr lang="fr-FR" u="sng" dirty="0"/>
+              <a:t>État d’avancement du projet :</a:t>
+            </a:r>
+            <a:endParaRPr lang="fr-FR" dirty="0"/>
+          </a:p>
+        </p:txBody>
+      </p:sp>
+      <p:sp>
+        <p:nvSpPr>
           <p:cNvPr id="3" name="Espace réservé du contenu 2"/>
           <p:cNvSpPr>
             <a:spLocks noGrp="1"/>
@@ -6981,40 +6934,20 @@
             <p:ph idx="1"/>
           </p:nvPr>
         </p:nvSpPr>
-        <p:spPr>
-          <a:xfrm>
-            <a:off x="1484310" y="545433"/>
-            <a:ext cx="10018713" cy="5245768"/>
-          </a:xfrm>
-        </p:spPr>
+        <p:spPr/>
         <p:txBody>
           <a:bodyPr/>
           <a:lstStyle/>
           <a:p>
-            <a:pPr marL="0" indent="0">
-              <a:buNone/>
-            </a:pPr>
             <a:r>
               <a:rPr lang="fr-FR" dirty="0"/>
-              <a:t>Parties fonctionnelles :</a:t>
-            </a:r>
-          </a:p>
-          <a:p>
-            <a:pPr marL="0" indent="0">
-              <a:buNone/>
-            </a:pPr>
-            <a:endParaRPr lang="fr-FR" dirty="0"/>
+              <a:t>Les différentes pages sont reliées à la base de données</a:t>
+            </a:r>
           </a:p>
           <a:p>
             <a:r>
               <a:rPr lang="fr-FR" dirty="0"/>
-              <a:t>Connexion avec son compte utilisateur et administrateur</a:t>
-            </a:r>
-          </a:p>
-          <a:p>
-            <a:r>
-              <a:rPr lang="fr-FR" dirty="0"/>
-              <a:t>Affichage de la liste des utilisateurs</a:t>
+              <a:t>Les utilisateurs peuvent se connecter sur le site</a:t>
             </a:r>
           </a:p>
         </p:txBody>
@@ -7022,7 +6955,7 @@
     </p:spTree>
     <p:extLst>
       <p:ext uri="{BB962C8B-B14F-4D97-AF65-F5344CB8AC3E}">
-        <p14:creationId xmlns:p14="http://schemas.microsoft.com/office/powerpoint/2010/main" val="343462950"/>
+        <p14:creationId xmlns:p14="http://schemas.microsoft.com/office/powerpoint/2010/main" val="2307030471"/>
       </p:ext>
     </p:extLst>
   </p:cSld>

--- a/PPE Park’in.pptx
+++ b/PPE Park’in.pptx
@@ -9,11 +9,12 @@
     <p:sldId id="257" r:id="rId3"/>
     <p:sldId id="258" r:id="rId4"/>
     <p:sldId id="259" r:id="rId5"/>
-    <p:sldId id="260" r:id="rId6"/>
-    <p:sldId id="262" r:id="rId7"/>
-    <p:sldId id="263" r:id="rId8"/>
-    <p:sldId id="264" r:id="rId9"/>
-    <p:sldId id="265" r:id="rId10"/>
+    <p:sldId id="266" r:id="rId6"/>
+    <p:sldId id="260" r:id="rId7"/>
+    <p:sldId id="262" r:id="rId8"/>
+    <p:sldId id="263" r:id="rId9"/>
+    <p:sldId id="264" r:id="rId10"/>
+    <p:sldId id="265" r:id="rId11"/>
   </p:sldIdLst>
   <p:sldSz cx="12192000" cy="6858000"/>
   <p:notesSz cx="6858000" cy="9144000"/>
@@ -6180,6 +6181,87 @@
 </p:sld>
 </file>
 
+<file path=ppt/slides/slide10.xml><?xml version="1.0" encoding="utf-8"?>
+<p:sld xmlns:a="http://schemas.openxmlformats.org/drawingml/2006/main" xmlns:r="http://schemas.openxmlformats.org/officeDocument/2006/relationships" xmlns:p="http://schemas.openxmlformats.org/presentationml/2006/main">
+  <p:cSld>
+    <p:spTree>
+      <p:nvGrpSpPr>
+        <p:cNvPr id="1" name=""/>
+        <p:cNvGrpSpPr/>
+        <p:nvPr/>
+      </p:nvGrpSpPr>
+      <p:grpSpPr>
+        <a:xfrm>
+          <a:off x="0" y="0"/>
+          <a:ext cx="0" cy="0"/>
+          <a:chOff x="0" y="0"/>
+          <a:chExt cx="0" cy="0"/>
+        </a:xfrm>
+      </p:grpSpPr>
+      <p:sp>
+        <p:nvSpPr>
+          <p:cNvPr id="2" name="Titre 1"/>
+          <p:cNvSpPr>
+            <a:spLocks noGrp="1"/>
+          </p:cNvSpPr>
+          <p:nvPr>
+            <p:ph type="title"/>
+          </p:nvPr>
+        </p:nvSpPr>
+        <p:spPr/>
+        <p:txBody>
+          <a:bodyPr/>
+          <a:lstStyle/>
+          <a:p>
+            <a:r>
+              <a:rPr lang="fr-FR" u="sng" dirty="0"/>
+              <a:t>État d’avancement du projet :</a:t>
+            </a:r>
+            <a:endParaRPr lang="fr-FR" dirty="0"/>
+          </a:p>
+        </p:txBody>
+      </p:sp>
+      <p:sp>
+        <p:nvSpPr>
+          <p:cNvPr id="3" name="Espace réservé du contenu 2"/>
+          <p:cNvSpPr>
+            <a:spLocks noGrp="1"/>
+          </p:cNvSpPr>
+          <p:nvPr>
+            <p:ph idx="1"/>
+          </p:nvPr>
+        </p:nvSpPr>
+        <p:spPr/>
+        <p:txBody>
+          <a:bodyPr/>
+          <a:lstStyle/>
+          <a:p>
+            <a:r>
+              <a:rPr lang="fr-FR" dirty="0"/>
+              <a:t>Les différentes pages sont reliées à la base de données</a:t>
+            </a:r>
+          </a:p>
+          <a:p>
+            <a:r>
+              <a:rPr lang="fr-FR" dirty="0"/>
+              <a:t>Les utilisateurs peuvent se connecter sur le site</a:t>
+            </a:r>
+          </a:p>
+        </p:txBody>
+      </p:sp>
+    </p:spTree>
+    <p:extLst>
+      <p:ext uri="{BB962C8B-B14F-4D97-AF65-F5344CB8AC3E}">
+        <p14:creationId xmlns:p14="http://schemas.microsoft.com/office/powerpoint/2010/main" val="2307030471"/>
+      </p:ext>
+    </p:extLst>
+  </p:cSld>
+  <p:clrMapOvr>
+    <a:masterClrMapping/>
+  </p:clrMapOvr>
+</p:sld>
+</file>
+
 <file path=ppt/slides/slide2.xml><?xml version="1.0" encoding="utf-8"?>
 <p:sld xmlns:a="http://schemas.openxmlformats.org/drawingml/2006/main" xmlns:r="http://schemas.openxmlformats.org/officeDocument/2006/relationships" xmlns:p="http://schemas.openxmlformats.org/presentationml/2006/main">
   <p:cSld>
@@ -6575,8 +6657,8 @@
           <a:lstStyle/>
           <a:p>
             <a:r>
-              <a:rPr lang="fr-FR" u="sng" dirty="0"/>
-              <a:t>Front-end</a:t>
+              <a:rPr lang="fr-FR" dirty="0"/>
+              <a:t>Répartition des tâches</a:t>
             </a:r>
           </a:p>
         </p:txBody>
@@ -6593,45 +6675,55 @@
         </p:nvSpPr>
         <p:spPr/>
         <p:txBody>
-          <a:bodyPr/>
+          <a:bodyPr>
+            <a:normAutofit fontScale="92500" lnSpcReduction="10000"/>
+          </a:bodyPr>
           <a:lstStyle/>
           <a:p>
             <a:pPr marL="0" indent="0">
               <a:buNone/>
             </a:pPr>
             <a:r>
-              <a:rPr lang="fr-FR" dirty="0"/>
-              <a:t>Parties fonctionnelles :</a:t>
-            </a:r>
-          </a:p>
-          <a:p>
-            <a:pPr>
-              <a:buFont typeface="Arial" panose="020B0604020202020204" pitchFamily="34" charset="0"/>
-              <a:buChar char="•"/>
+              <a:rPr lang="fr-FR" sz="2600" u="sng" dirty="0"/>
+              <a:t>Partie utilisateur:</a:t>
+            </a:r>
+          </a:p>
+          <a:p>
+            <a:r>
+              <a:rPr lang="fr-FR" sz="2200" dirty="0" err="1"/>
+              <a:t>Abigaelle</a:t>
+            </a:r>
+            <a:endParaRPr lang="fr-FR" sz="2200" dirty="0"/>
+          </a:p>
+          <a:p>
+            <a:r>
+              <a:rPr lang="fr-FR" sz="2200" dirty="0"/>
+              <a:t>Samir</a:t>
+            </a:r>
+          </a:p>
+          <a:p>
+            <a:endParaRPr lang="fr-FR" dirty="0"/>
+          </a:p>
+          <a:p>
+            <a:pPr marL="0" indent="0">
+              <a:buNone/>
             </a:pPr>
             <a:r>
-              <a:rPr lang="fr-FR" dirty="0"/>
-              <a:t>La page d’accueil </a:t>
-            </a:r>
-          </a:p>
-          <a:p>
-            <a:pPr>
-              <a:buFont typeface="Arial" panose="020B0604020202020204" pitchFamily="34" charset="0"/>
-              <a:buChar char="•"/>
-            </a:pPr>
-            <a:r>
-              <a:rPr lang="fr-FR" dirty="0"/>
-              <a:t>Navigation entre les différentes pages</a:t>
-            </a:r>
-          </a:p>
-          <a:p>
-            <a:pPr>
-              <a:buFont typeface="Arial" panose="020B0604020202020204" pitchFamily="34" charset="0"/>
-              <a:buChar char="•"/>
-            </a:pPr>
-            <a:r>
-              <a:rPr lang="fr-FR" dirty="0"/>
-              <a:t>Design intuitif</a:t>
+              <a:rPr lang="fr-FR" sz="2600" u="sng" dirty="0"/>
+              <a:t>Partie administrateur:</a:t>
+            </a:r>
+          </a:p>
+          <a:p>
+            <a:r>
+              <a:rPr lang="fr-FR" sz="2200" dirty="0" err="1"/>
+              <a:t>Micheal</a:t>
+            </a:r>
+            <a:endParaRPr lang="fr-FR" sz="2200" dirty="0"/>
+          </a:p>
+          <a:p>
+            <a:r>
+              <a:rPr lang="fr-FR" sz="2200" dirty="0"/>
+              <a:t>Paul</a:t>
             </a:r>
           </a:p>
         </p:txBody>
@@ -6639,7 +6731,7 @@
     </p:spTree>
     <p:extLst>
       <p:ext uri="{BB962C8B-B14F-4D97-AF65-F5344CB8AC3E}">
-        <p14:creationId xmlns:p14="http://schemas.microsoft.com/office/powerpoint/2010/main" val="3614026038"/>
+        <p14:creationId xmlns:p14="http://schemas.microsoft.com/office/powerpoint/2010/main" val="751383899"/>
       </p:ext>
     </p:extLst>
   </p:cSld>
@@ -6683,6 +6775,113 @@
           <a:p>
             <a:r>
               <a:rPr lang="fr-FR" u="sng" dirty="0"/>
+              <a:t>Front-end</a:t>
+            </a:r>
+          </a:p>
+        </p:txBody>
+      </p:sp>
+      <p:sp>
+        <p:nvSpPr>
+          <p:cNvPr id="3" name="Espace réservé du contenu 2"/>
+          <p:cNvSpPr>
+            <a:spLocks noGrp="1"/>
+          </p:cNvSpPr>
+          <p:nvPr>
+            <p:ph idx="1"/>
+          </p:nvPr>
+        </p:nvSpPr>
+        <p:spPr/>
+        <p:txBody>
+          <a:bodyPr/>
+          <a:lstStyle/>
+          <a:p>
+            <a:pPr marL="0" indent="0">
+              <a:buNone/>
+            </a:pPr>
+            <a:r>
+              <a:rPr lang="fr-FR" dirty="0"/>
+              <a:t>Parties fonctionnelles :</a:t>
+            </a:r>
+          </a:p>
+          <a:p>
+            <a:pPr>
+              <a:buFont typeface="Arial" panose="020B0604020202020204" pitchFamily="34" charset="0"/>
+              <a:buChar char="•"/>
+            </a:pPr>
+            <a:r>
+              <a:rPr lang="fr-FR" dirty="0"/>
+              <a:t>La page d’accueil </a:t>
+            </a:r>
+          </a:p>
+          <a:p>
+            <a:pPr>
+              <a:buFont typeface="Arial" panose="020B0604020202020204" pitchFamily="34" charset="0"/>
+              <a:buChar char="•"/>
+            </a:pPr>
+            <a:r>
+              <a:rPr lang="fr-FR" dirty="0"/>
+              <a:t>Navigation entre les différentes pages</a:t>
+            </a:r>
+          </a:p>
+          <a:p>
+            <a:pPr>
+              <a:buFont typeface="Arial" panose="020B0604020202020204" pitchFamily="34" charset="0"/>
+              <a:buChar char="•"/>
+            </a:pPr>
+            <a:r>
+              <a:rPr lang="fr-FR" dirty="0"/>
+              <a:t>Design intuitif</a:t>
+            </a:r>
+          </a:p>
+        </p:txBody>
+      </p:sp>
+    </p:spTree>
+    <p:extLst>
+      <p:ext uri="{BB962C8B-B14F-4D97-AF65-F5344CB8AC3E}">
+        <p14:creationId xmlns:p14="http://schemas.microsoft.com/office/powerpoint/2010/main" val="3614026038"/>
+      </p:ext>
+    </p:extLst>
+  </p:cSld>
+  <p:clrMapOvr>
+    <a:masterClrMapping/>
+  </p:clrMapOvr>
+</p:sld>
+</file>
+
+<file path=ppt/slides/slide7.xml><?xml version="1.0" encoding="utf-8"?>
+<p:sld xmlns:a="http://schemas.openxmlformats.org/drawingml/2006/main" xmlns:r="http://schemas.openxmlformats.org/officeDocument/2006/relationships" xmlns:p="http://schemas.openxmlformats.org/presentationml/2006/main">
+  <p:cSld>
+    <p:spTree>
+      <p:nvGrpSpPr>
+        <p:cNvPr id="1" name=""/>
+        <p:cNvGrpSpPr/>
+        <p:nvPr/>
+      </p:nvGrpSpPr>
+      <p:grpSpPr>
+        <a:xfrm>
+          <a:off x="0" y="0"/>
+          <a:ext cx="0" cy="0"/>
+          <a:chOff x="0" y="0"/>
+          <a:chExt cx="0" cy="0"/>
+        </a:xfrm>
+      </p:grpSpPr>
+      <p:sp>
+        <p:nvSpPr>
+          <p:cNvPr id="2" name="Titre 1"/>
+          <p:cNvSpPr>
+            <a:spLocks noGrp="1"/>
+          </p:cNvSpPr>
+          <p:nvPr>
+            <p:ph type="title"/>
+          </p:nvPr>
+        </p:nvSpPr>
+        <p:spPr/>
+        <p:txBody>
+          <a:bodyPr/>
+          <a:lstStyle/>
+          <a:p>
+            <a:r>
+              <a:rPr lang="fr-FR" u="sng" dirty="0"/>
               <a:t>Aperçu du site</a:t>
             </a:r>
           </a:p>
@@ -6720,7 +6919,7 @@
 </p:sld>
 </file>
 
-<file path=ppt/slides/slide7.xml><?xml version="1.0" encoding="utf-8"?>
+<file path=ppt/slides/slide8.xml><?xml version="1.0" encoding="utf-8"?>
 <p:sld xmlns:a="http://schemas.openxmlformats.org/drawingml/2006/main" xmlns:r="http://schemas.openxmlformats.org/officeDocument/2006/relationships" xmlns:p="http://schemas.openxmlformats.org/presentationml/2006/main">
   <p:cSld>
     <p:spTree>
@@ -6806,84 +7005,6 @@
 </p:sld>
 </file>
 
-<file path=ppt/slides/slide8.xml><?xml version="1.0" encoding="utf-8"?>
-<p:sld xmlns:a="http://schemas.openxmlformats.org/drawingml/2006/main" xmlns:r="http://schemas.openxmlformats.org/officeDocument/2006/relationships" xmlns:p="http://schemas.openxmlformats.org/presentationml/2006/main">
-  <p:cSld>
-    <p:spTree>
-      <p:nvGrpSpPr>
-        <p:cNvPr id="1" name=""/>
-        <p:cNvGrpSpPr/>
-        <p:nvPr/>
-      </p:nvGrpSpPr>
-      <p:grpSpPr>
-        <a:xfrm>
-          <a:off x="0" y="0"/>
-          <a:ext cx="0" cy="0"/>
-          <a:chOff x="0" y="0"/>
-          <a:chExt cx="0" cy="0"/>
-        </a:xfrm>
-      </p:grpSpPr>
-      <p:sp>
-        <p:nvSpPr>
-          <p:cNvPr id="3" name="Espace réservé du contenu 2"/>
-          <p:cNvSpPr>
-            <a:spLocks noGrp="1"/>
-          </p:cNvSpPr>
-          <p:nvPr>
-            <p:ph idx="1"/>
-          </p:nvPr>
-        </p:nvSpPr>
-        <p:spPr>
-          <a:xfrm>
-            <a:off x="1484310" y="545433"/>
-            <a:ext cx="10018713" cy="5245768"/>
-          </a:xfrm>
-        </p:spPr>
-        <p:txBody>
-          <a:bodyPr/>
-          <a:lstStyle/>
-          <a:p>
-            <a:pPr marL="0" indent="0">
-              <a:buNone/>
-            </a:pPr>
-            <a:r>
-              <a:rPr lang="fr-FR" dirty="0"/>
-              <a:t>Parties fonctionnelles :</a:t>
-            </a:r>
-          </a:p>
-          <a:p>
-            <a:pPr marL="0" indent="0">
-              <a:buNone/>
-            </a:pPr>
-            <a:endParaRPr lang="fr-FR" dirty="0"/>
-          </a:p>
-          <a:p>
-            <a:r>
-              <a:rPr lang="fr-FR" dirty="0"/>
-              <a:t>Connexion avec son compte utilisateur et administrateur</a:t>
-            </a:r>
-          </a:p>
-          <a:p>
-            <a:r>
-              <a:rPr lang="fr-FR" dirty="0"/>
-              <a:t>Affichage de la liste des utilisateurs</a:t>
-            </a:r>
-          </a:p>
-        </p:txBody>
-      </p:sp>
-    </p:spTree>
-    <p:extLst>
-      <p:ext uri="{BB962C8B-B14F-4D97-AF65-F5344CB8AC3E}">
-        <p14:creationId xmlns:p14="http://schemas.microsoft.com/office/powerpoint/2010/main" val="343462950"/>
-      </p:ext>
-    </p:extLst>
-  </p:cSld>
-  <p:clrMapOvr>
-    <a:masterClrMapping/>
-  </p:clrMapOvr>
-</p:sld>
-</file>
-
 <file path=ppt/slides/slide9.xml><?xml version="1.0" encoding="utf-8"?>
 <p:sld xmlns:a="http://schemas.openxmlformats.org/drawingml/2006/main" xmlns:r="http://schemas.openxmlformats.org/officeDocument/2006/relationships" xmlns:p="http://schemas.openxmlformats.org/presentationml/2006/main">
   <p:cSld>
@@ -6903,51 +7024,48 @@
       </p:grpSpPr>
       <p:sp>
         <p:nvSpPr>
-          <p:cNvPr id="2" name="Titre 1"/>
-          <p:cNvSpPr>
-            <a:spLocks noGrp="1"/>
-          </p:cNvSpPr>
-          <p:nvPr>
-            <p:ph type="title"/>
-          </p:nvPr>
-        </p:nvSpPr>
-        <p:spPr/>
+          <p:cNvPr id="3" name="Espace réservé du contenu 2"/>
+          <p:cNvSpPr>
+            <a:spLocks noGrp="1"/>
+          </p:cNvSpPr>
+          <p:nvPr>
+            <p:ph idx="1"/>
+          </p:nvPr>
+        </p:nvSpPr>
+        <p:spPr>
+          <a:xfrm>
+            <a:off x="1484310" y="545433"/>
+            <a:ext cx="10018713" cy="5245768"/>
+          </a:xfrm>
+        </p:spPr>
         <p:txBody>
           <a:bodyPr/>
           <a:lstStyle/>
           <a:p>
-            <a:r>
-              <a:rPr lang="fr-FR" u="sng" dirty="0"/>
-              <a:t>État d’avancement du projet :</a:t>
-            </a:r>
+            <a:pPr marL="0" indent="0">
+              <a:buNone/>
+            </a:pPr>
+            <a:r>
+              <a:rPr lang="fr-FR" dirty="0"/>
+              <a:t>Parties fonctionnelles :</a:t>
+            </a:r>
+          </a:p>
+          <a:p>
+            <a:pPr marL="0" indent="0">
+              <a:buNone/>
+            </a:pPr>
             <a:endParaRPr lang="fr-FR" dirty="0"/>
           </a:p>
-        </p:txBody>
-      </p:sp>
-      <p:sp>
-        <p:nvSpPr>
-          <p:cNvPr id="3" name="Espace réservé du contenu 2"/>
-          <p:cNvSpPr>
-            <a:spLocks noGrp="1"/>
-          </p:cNvSpPr>
-          <p:nvPr>
-            <p:ph idx="1"/>
-          </p:nvPr>
-        </p:nvSpPr>
-        <p:spPr/>
-        <p:txBody>
-          <a:bodyPr/>
-          <a:lstStyle/>
           <a:p>
             <a:r>
               <a:rPr lang="fr-FR" dirty="0"/>
-              <a:t>Les différentes pages sont reliées à la base de données</a:t>
+              <a:t>Connexion avec son compte utilisateur et administrateur</a:t>
             </a:r>
           </a:p>
           <a:p>
             <a:r>
               <a:rPr lang="fr-FR" dirty="0"/>
-              <a:t>Les utilisateurs peuvent se connecter sur le site</a:t>
+              <a:t>Affichage de la liste des utilisateurs</a:t>
             </a:r>
           </a:p>
         </p:txBody>
@@ -6955,7 +7073,7 @@
     </p:spTree>
     <p:extLst>
       <p:ext uri="{BB962C8B-B14F-4D97-AF65-F5344CB8AC3E}">
-        <p14:creationId xmlns:p14="http://schemas.microsoft.com/office/powerpoint/2010/main" val="2307030471"/>
+        <p14:creationId xmlns:p14="http://schemas.microsoft.com/office/powerpoint/2010/main" val="343462950"/>
       </p:ext>
     </p:extLst>
   </p:cSld>
